--- a/docs/GloriousEpiphany/1009个人汇报.pptx
+++ b/docs/GloriousEpiphany/1009个人汇报.pptx
@@ -6,12 +6,11 @@
   </p:sldMasterIdLst>
   <p:sldIdLst>
     <p:sldId id="256" r:id="rId2"/>
-    <p:sldId id="257" r:id="rId3"/>
-    <p:sldId id="261" r:id="rId4"/>
-    <p:sldId id="258" r:id="rId5"/>
-    <p:sldId id="259" r:id="rId6"/>
-    <p:sldId id="262" r:id="rId7"/>
-    <p:sldId id="263" r:id="rId8"/>
+    <p:sldId id="261" r:id="rId3"/>
+    <p:sldId id="258" r:id="rId4"/>
+    <p:sldId id="259" r:id="rId5"/>
+    <p:sldId id="262" r:id="rId6"/>
+    <p:sldId id="263" r:id="rId7"/>
   </p:sldIdLst>
   <p:sldSz cx="12192000" cy="6858000"/>
   <p:notesSz cx="6858000" cy="9144000"/>
@@ -258,7 +257,7 @@
           <a:p>
             <a:fld id="{D997B5FA-0921-464F-AAE1-844C04324D75}" type="datetimeFigureOut">
               <a:rPr lang="zh-CN" altLang="en-US" smtClean="0"/>
-              <a:t>2025/10/9</a:t>
+              <a:t>2025/10/11</a:t>
             </a:fld>
             <a:endParaRPr lang="zh-CN" altLang="en-US"/>
           </a:p>
@@ -421,7 +420,7 @@
           <a:p>
             <a:fld id="{D997B5FA-0921-464F-AAE1-844C04324D75}" type="datetimeFigureOut">
               <a:rPr lang="zh-CN" altLang="en-US" smtClean="0"/>
-              <a:t>2025/10/9</a:t>
+              <a:t>2025/10/11</a:t>
             </a:fld>
             <a:endParaRPr lang="zh-CN" altLang="en-US"/>
           </a:p>
@@ -594,7 +593,7 @@
           <a:p>
             <a:fld id="{D997B5FA-0921-464F-AAE1-844C04324D75}" type="datetimeFigureOut">
               <a:rPr lang="zh-CN" altLang="en-US" smtClean="0"/>
-              <a:t>2025/10/9</a:t>
+              <a:t>2025/10/11</a:t>
             </a:fld>
             <a:endParaRPr lang="zh-CN" altLang="en-US"/>
           </a:p>
@@ -757,7 +756,7 @@
           <a:p>
             <a:fld id="{D997B5FA-0921-464F-AAE1-844C04324D75}" type="datetimeFigureOut">
               <a:rPr lang="zh-CN" altLang="en-US" smtClean="0"/>
-              <a:t>2025/10/9</a:t>
+              <a:t>2025/10/11</a:t>
             </a:fld>
             <a:endParaRPr lang="zh-CN" altLang="en-US"/>
           </a:p>
@@ -997,7 +996,7 @@
           <a:p>
             <a:fld id="{D997B5FA-0921-464F-AAE1-844C04324D75}" type="datetimeFigureOut">
               <a:rPr lang="zh-CN" altLang="en-US" smtClean="0"/>
-              <a:t>2025/10/9</a:t>
+              <a:t>2025/10/11</a:t>
             </a:fld>
             <a:endParaRPr lang="zh-CN" altLang="en-US"/>
           </a:p>
@@ -1221,7 +1220,7 @@
           <a:p>
             <a:fld id="{D997B5FA-0921-464F-AAE1-844C04324D75}" type="datetimeFigureOut">
               <a:rPr lang="zh-CN" altLang="en-US" smtClean="0"/>
-              <a:t>2025/10/9</a:t>
+              <a:t>2025/10/11</a:t>
             </a:fld>
             <a:endParaRPr lang="zh-CN" altLang="en-US"/>
           </a:p>
@@ -1580,7 +1579,7 @@
           <a:p>
             <a:fld id="{D997B5FA-0921-464F-AAE1-844C04324D75}" type="datetimeFigureOut">
               <a:rPr lang="zh-CN" altLang="en-US" smtClean="0"/>
-              <a:t>2025/10/9</a:t>
+              <a:t>2025/10/11</a:t>
             </a:fld>
             <a:endParaRPr lang="zh-CN" altLang="en-US"/>
           </a:p>
@@ -1692,7 +1691,7 @@
           <a:p>
             <a:fld id="{D997B5FA-0921-464F-AAE1-844C04324D75}" type="datetimeFigureOut">
               <a:rPr lang="zh-CN" altLang="en-US" smtClean="0"/>
-              <a:t>2025/10/9</a:t>
+              <a:t>2025/10/11</a:t>
             </a:fld>
             <a:endParaRPr lang="zh-CN" altLang="en-US"/>
           </a:p>
@@ -1782,7 +1781,7 @@
           <a:p>
             <a:fld id="{D997B5FA-0921-464F-AAE1-844C04324D75}" type="datetimeFigureOut">
               <a:rPr lang="zh-CN" altLang="en-US" smtClean="0"/>
-              <a:t>2025/10/9</a:t>
+              <a:t>2025/10/11</a:t>
             </a:fld>
             <a:endParaRPr lang="zh-CN" altLang="en-US"/>
           </a:p>
@@ -2052,7 +2051,7 @@
           <a:p>
             <a:fld id="{D997B5FA-0921-464F-AAE1-844C04324D75}" type="datetimeFigureOut">
               <a:rPr lang="zh-CN" altLang="en-US" smtClean="0"/>
-              <a:t>2025/10/9</a:t>
+              <a:t>2025/10/11</a:t>
             </a:fld>
             <a:endParaRPr lang="zh-CN" altLang="en-US"/>
           </a:p>
@@ -2299,7 +2298,7 @@
           <a:p>
             <a:fld id="{D997B5FA-0921-464F-AAE1-844C04324D75}" type="datetimeFigureOut">
               <a:rPr lang="zh-CN" altLang="en-US" smtClean="0"/>
-              <a:t>2025/10/9</a:t>
+              <a:t>2025/10/11</a:t>
             </a:fld>
             <a:endParaRPr lang="zh-CN" altLang="en-US"/>
           </a:p>
@@ -2505,7 +2504,7 @@
           <a:p>
             <a:fld id="{D997B5FA-0921-464F-AAE1-844C04324D75}" type="datetimeFigureOut">
               <a:rPr lang="zh-CN" altLang="en-US" smtClean="0"/>
-              <a:t>2025/10/9</a:t>
+              <a:t>2025/10/11</a:t>
             </a:fld>
             <a:endParaRPr lang="zh-CN" altLang="en-US"/>
           </a:p>
@@ -2966,6 +2965,25 @@
           <a:bodyPr/>
           <a:lstStyle/>
           <a:p>
+            <a:r>
+              <a:rPr lang="zh-CN" altLang="en-US" dirty="0"/>
+              <a:t>注册、登录功能身份认证、访问控制及会话管理代码编写</a:t>
+            </a:r>
+            <a:endParaRPr lang="en-US" altLang="zh-CN" dirty="0"/>
+          </a:p>
+          <a:p>
+            <a:r>
+              <a:rPr lang="zh-CN" altLang="en-US" dirty="0"/>
+              <a:t>错题本功能代码编写</a:t>
+            </a:r>
+          </a:p>
+          <a:p>
+            <a:r>
+              <a:rPr lang="zh-CN" altLang="en-US" dirty="0"/>
+              <a:t>数据分析功能代码编写</a:t>
+            </a:r>
+          </a:p>
+          <a:p>
             <a:endParaRPr lang="zh-CN" altLang="en-US" dirty="0"/>
           </a:p>
         </p:txBody>
@@ -2984,109 +3002,6 @@
 </file>
 
 <file path=ppt/slides/slide2.xml><?xml version="1.0" encoding="utf-8"?>
-<p:sld xmlns:a="http://schemas.openxmlformats.org/drawingml/2006/main" xmlns:r="http://schemas.openxmlformats.org/officeDocument/2006/relationships" xmlns:p="http://schemas.openxmlformats.org/presentationml/2006/main">
-  <p:cSld>
-    <p:spTree>
-      <p:nvGrpSpPr>
-        <p:cNvPr id="1" name=""/>
-        <p:cNvGrpSpPr/>
-        <p:nvPr/>
-      </p:nvGrpSpPr>
-      <p:grpSpPr>
-        <a:xfrm>
-          <a:off x="0" y="0"/>
-          <a:ext cx="0" cy="0"/>
-          <a:chOff x="0" y="0"/>
-          <a:chExt cx="0" cy="0"/>
-        </a:xfrm>
-      </p:grpSpPr>
-      <p:sp>
-        <p:nvSpPr>
-          <p:cNvPr id="2" name="标题 1">
-            <a:extLst>
-              <a:ext uri="{FF2B5EF4-FFF2-40B4-BE49-F238E27FC236}">
-                <a16:creationId xmlns:a16="http://schemas.microsoft.com/office/drawing/2014/main" id="{E33ED36A-AEFB-98E2-2CF4-EC2431F52CDC}"/>
-              </a:ext>
-            </a:extLst>
-          </p:cNvPr>
-          <p:cNvSpPr>
-            <a:spLocks noGrp="1"/>
-          </p:cNvSpPr>
-          <p:nvPr>
-            <p:ph type="title"/>
-          </p:nvPr>
-        </p:nvSpPr>
-        <p:spPr/>
-        <p:txBody>
-          <a:bodyPr>
-            <a:normAutofit/>
-          </a:bodyPr>
-          <a:lstStyle/>
-          <a:p>
-            <a:r>
-              <a:rPr lang="zh-CN" altLang="en-US" sz="2400" dirty="0"/>
-              <a:t>任务</a:t>
-            </a:r>
-          </a:p>
-        </p:txBody>
-      </p:sp>
-      <p:sp>
-        <p:nvSpPr>
-          <p:cNvPr id="3" name="内容占位符 2">
-            <a:extLst>
-              <a:ext uri="{FF2B5EF4-FFF2-40B4-BE49-F238E27FC236}">
-                <a16:creationId xmlns:a16="http://schemas.microsoft.com/office/drawing/2014/main" id="{B1FDC18A-1510-70E2-4BED-D1A053B1A9B4}"/>
-              </a:ext>
-            </a:extLst>
-          </p:cNvPr>
-          <p:cNvSpPr>
-            <a:spLocks noGrp="1"/>
-          </p:cNvSpPr>
-          <p:nvPr>
-            <p:ph idx="1"/>
-          </p:nvPr>
-        </p:nvSpPr>
-        <p:spPr/>
-        <p:txBody>
-          <a:bodyPr>
-            <a:normAutofit/>
-          </a:bodyPr>
-          <a:lstStyle/>
-          <a:p>
-            <a:r>
-              <a:rPr lang="zh-CN" altLang="en-US" sz="1800" dirty="0"/>
-              <a:t>注册、登录功能身份认证、访问控制及会话管理代码编写</a:t>
-            </a:r>
-            <a:endParaRPr lang="en-US" altLang="zh-CN" sz="1800" dirty="0"/>
-          </a:p>
-          <a:p>
-            <a:r>
-              <a:rPr lang="zh-CN" altLang="en-US" sz="1800" dirty="0"/>
-              <a:t>错题本功能代码编写</a:t>
-            </a:r>
-          </a:p>
-          <a:p>
-            <a:r>
-              <a:rPr lang="zh-CN" altLang="en-US" sz="1800" dirty="0"/>
-              <a:t>数据分析功能代码编写</a:t>
-            </a:r>
-          </a:p>
-        </p:txBody>
-      </p:sp>
-    </p:spTree>
-    <p:extLst>
-      <p:ext uri="{BB962C8B-B14F-4D97-AF65-F5344CB8AC3E}">
-        <p14:creationId xmlns:p14="http://schemas.microsoft.com/office/powerpoint/2010/main" val="1387992944"/>
-      </p:ext>
-    </p:extLst>
-  </p:cSld>
-  <p:clrMapOvr>
-    <a:masterClrMapping/>
-  </p:clrMapOvr>
-</p:sld>
-</file>
-
-<file path=ppt/slides/slide3.xml><?xml version="1.0" encoding="utf-8"?>
 <p:sld xmlns:a="http://schemas.openxmlformats.org/drawingml/2006/main" xmlns:r="http://schemas.openxmlformats.org/officeDocument/2006/relationships" xmlns:p="http://schemas.openxmlformats.org/presentationml/2006/main">
   <p:cSld>
     <p:spTree>
@@ -3179,7 +3094,7 @@
 </p:sld>
 </file>
 
-<file path=ppt/slides/slide4.xml><?xml version="1.0" encoding="utf-8"?>
+<file path=ppt/slides/slide3.xml><?xml version="1.0" encoding="utf-8"?>
 <p:sld xmlns:a="http://schemas.openxmlformats.org/drawingml/2006/main" xmlns:r="http://schemas.openxmlformats.org/officeDocument/2006/relationships" xmlns:p="http://schemas.openxmlformats.org/presentationml/2006/main">
   <p:cSld>
     <p:spTree>
@@ -3511,7 +3426,7 @@
 </p:sld>
 </file>
 
-<file path=ppt/slides/slide5.xml><?xml version="1.0" encoding="utf-8"?>
+<file path=ppt/slides/slide4.xml><?xml version="1.0" encoding="utf-8"?>
 <p:sld xmlns:a="http://schemas.openxmlformats.org/drawingml/2006/main" xmlns:r="http://schemas.openxmlformats.org/officeDocument/2006/relationships" xmlns:p="http://schemas.openxmlformats.org/presentationml/2006/main">
   <p:cSld>
     <p:spTree>
@@ -3782,7 +3697,7 @@
 </p:sld>
 </file>
 
-<file path=ppt/slides/slide6.xml><?xml version="1.0" encoding="utf-8"?>
+<file path=ppt/slides/slide5.xml><?xml version="1.0" encoding="utf-8"?>
 <p:sld xmlns:a="http://schemas.openxmlformats.org/drawingml/2006/main" xmlns:r="http://schemas.openxmlformats.org/officeDocument/2006/relationships" xmlns:p="http://schemas.openxmlformats.org/presentationml/2006/main">
   <p:cSld>
     <p:spTree>
@@ -3950,7 +3865,7 @@
 </p:sld>
 </file>
 
-<file path=ppt/slides/slide7.xml><?xml version="1.0" encoding="utf-8"?>
+<file path=ppt/slides/slide6.xml><?xml version="1.0" encoding="utf-8"?>
 <p:sld xmlns:a="http://schemas.openxmlformats.org/drawingml/2006/main" xmlns:r="http://schemas.openxmlformats.org/officeDocument/2006/relationships" xmlns:p="http://schemas.openxmlformats.org/presentationml/2006/main">
   <p:cSld>
     <p:spTree>

--- a/docs/GloriousEpiphany/1009个人汇报.pptx
+++ b/docs/GloriousEpiphany/1009个人汇报.pptx
@@ -3577,8 +3577,20 @@
               <a:t>完成进度：</a:t>
             </a:r>
             <a:r>
+              <a:rPr lang="en-US" altLang="zh-CN" sz="1600"/>
+              <a:t>1</a:t>
+            </a:r>
+            <a:r>
               <a:rPr lang="en-US" altLang="zh-CN" sz="1600" dirty="0"/>
-              <a:t>80%</a:t>
+              <a:t>0</a:t>
+            </a:r>
+            <a:r>
+              <a:rPr lang="en-US" altLang="zh-CN" sz="1600"/>
+              <a:t>0</a:t>
+            </a:r>
+            <a:r>
+              <a:rPr lang="en-US" altLang="zh-CN" sz="1600" dirty="0"/>
+              <a:t>%</a:t>
             </a:r>
           </a:p>
           <a:p>
